--- a/BossLocker.pptx
+++ b/BossLocker.pptx
@@ -11,6 +11,11 @@
     <p:sldId id="259" r:id="rId5"/>
     <p:sldId id="261" r:id="rId6"/>
     <p:sldId id="258" r:id="rId7"/>
+    <p:sldId id="262" r:id="rId8"/>
+    <p:sldId id="263" r:id="rId9"/>
+    <p:sldId id="264" r:id="rId10"/>
+    <p:sldId id="265" r:id="rId11"/>
+    <p:sldId id="266" r:id="rId12"/>
   </p:sldIdLst>
   <p:sldSz cx="9144000" cy="6858000" type="screen4x3"/>
   <p:notesSz cx="6858000" cy="9144000"/>
@@ -255,7 +260,7 @@
           <a:p>
             <a:fld id="{EEA210E5-EAD9-4A60-82C5-9CEDCB026F99}" type="datetimeFigureOut">
               <a:rPr lang="ko-KR" altLang="en-US" smtClean="0"/>
-              <a:t>2017-10-03</a:t>
+              <a:t>2017-10-04</a:t>
             </a:fld>
             <a:endParaRPr lang="ko-KR" altLang="en-US"/>
           </a:p>
@@ -614,7 +619,7 @@
           <a:p>
             <a:fld id="{EEA210E5-EAD9-4A60-82C5-9CEDCB026F99}" type="datetimeFigureOut">
               <a:rPr lang="ko-KR" altLang="en-US" smtClean="0"/>
-              <a:t>2017-10-03</a:t>
+              <a:t>2017-10-04</a:t>
             </a:fld>
             <a:endParaRPr lang="ko-KR" altLang="en-US"/>
           </a:p>
@@ -789,7 +794,7 @@
           <a:p>
             <a:fld id="{EEA210E5-EAD9-4A60-82C5-9CEDCB026F99}" type="datetimeFigureOut">
               <a:rPr lang="ko-KR" altLang="en-US" smtClean="0"/>
-              <a:t>2017-10-03</a:t>
+              <a:t>2017-10-04</a:t>
             </a:fld>
             <a:endParaRPr lang="ko-KR" altLang="en-US"/>
           </a:p>
@@ -1024,7 +1029,7 @@
           <a:p>
             <a:fld id="{EEA210E5-EAD9-4A60-82C5-9CEDCB026F99}" type="datetimeFigureOut">
               <a:rPr lang="ko-KR" altLang="en-US" smtClean="0"/>
-              <a:t>2017-10-03</a:t>
+              <a:t>2017-10-04</a:t>
             </a:fld>
             <a:endParaRPr lang="ko-KR" altLang="en-US"/>
           </a:p>
@@ -1293,7 +1298,7 @@
           <a:p>
             <a:fld id="{EEA210E5-EAD9-4A60-82C5-9CEDCB026F99}" type="datetimeFigureOut">
               <a:rPr lang="ko-KR" altLang="en-US" smtClean="0"/>
-              <a:t>2017-10-03</a:t>
+              <a:t>2017-10-04</a:t>
             </a:fld>
             <a:endParaRPr lang="ko-KR" altLang="en-US"/>
           </a:p>
@@ -1513,7 +1518,7 @@
           <a:p>
             <a:fld id="{EEA210E5-EAD9-4A60-82C5-9CEDCB026F99}" type="datetimeFigureOut">
               <a:rPr lang="ko-KR" altLang="en-US" smtClean="0"/>
-              <a:t>2017-10-03</a:t>
+              <a:t>2017-10-04</a:t>
             </a:fld>
             <a:endParaRPr lang="ko-KR" altLang="en-US"/>
           </a:p>
@@ -1865,7 +1870,7 @@
           <a:p>
             <a:fld id="{EEA210E5-EAD9-4A60-82C5-9CEDCB026F99}" type="datetimeFigureOut">
               <a:rPr lang="ko-KR" altLang="en-US" smtClean="0"/>
-              <a:t>2017-10-03</a:t>
+              <a:t>2017-10-04</a:t>
             </a:fld>
             <a:endParaRPr lang="ko-KR" altLang="en-US"/>
           </a:p>
@@ -2097,7 +2102,7 @@
           <a:p>
             <a:fld id="{EEA210E5-EAD9-4A60-82C5-9CEDCB026F99}" type="datetimeFigureOut">
               <a:rPr lang="ko-KR" altLang="en-US" smtClean="0"/>
-              <a:t>2017-10-03</a:t>
+              <a:t>2017-10-04</a:t>
             </a:fld>
             <a:endParaRPr lang="ko-KR" altLang="en-US"/>
           </a:p>
@@ -2237,7 +2242,7 @@
           <a:p>
             <a:fld id="{EEA210E5-EAD9-4A60-82C5-9CEDCB026F99}" type="datetimeFigureOut">
               <a:rPr lang="ko-KR" altLang="en-US" smtClean="0"/>
-              <a:t>2017-10-03</a:t>
+              <a:t>2017-10-04</a:t>
             </a:fld>
             <a:endParaRPr lang="ko-KR" altLang="en-US"/>
           </a:p>
@@ -2514,7 +2519,7 @@
           <a:p>
             <a:fld id="{EEA210E5-EAD9-4A60-82C5-9CEDCB026F99}" type="datetimeFigureOut">
               <a:rPr lang="ko-KR" altLang="en-US" smtClean="0"/>
-              <a:t>2017-10-03</a:t>
+              <a:t>2017-10-04</a:t>
             </a:fld>
             <a:endParaRPr lang="ko-KR" altLang="en-US"/>
           </a:p>
@@ -2921,7 +2926,7 @@
           <a:p>
             <a:fld id="{EEA210E5-EAD9-4A60-82C5-9CEDCB026F99}" type="datetimeFigureOut">
               <a:rPr lang="ko-KR" altLang="en-US" smtClean="0"/>
-              <a:t>2017-10-03</a:t>
+              <a:t>2017-10-04</a:t>
             </a:fld>
             <a:endParaRPr lang="ko-KR" altLang="en-US"/>
           </a:p>
@@ -3259,7 +3264,7 @@
           <a:p>
             <a:fld id="{EEA210E5-EAD9-4A60-82C5-9CEDCB026F99}" type="datetimeFigureOut">
               <a:rPr lang="ko-KR" altLang="en-US" smtClean="0"/>
-              <a:t>2017-10-03</a:t>
+              <a:t>2017-10-04</a:t>
             </a:fld>
             <a:endParaRPr lang="ko-KR" altLang="en-US"/>
           </a:p>
@@ -3897,6 +3902,403 @@
 </p:sld>
 </file>
 
+<file path=ppt/slides/slide10.xml><?xml version="1.0" encoding="utf-8"?>
+<p:sld xmlns:a="http://schemas.openxmlformats.org/drawingml/2006/main" xmlns:r="http://schemas.openxmlformats.org/officeDocument/2006/relationships" xmlns:p="http://schemas.openxmlformats.org/presentationml/2006/main">
+  <p:cSld>
+    <p:spTree>
+      <p:nvGrpSpPr>
+        <p:cNvPr id="1" name=""/>
+        <p:cNvGrpSpPr/>
+        <p:nvPr/>
+      </p:nvGrpSpPr>
+      <p:grpSpPr>
+        <a:xfrm>
+          <a:off x="0" y="0"/>
+          <a:ext cx="0" cy="0"/>
+          <a:chOff x="0" y="0"/>
+          <a:chExt cx="0" cy="0"/>
+        </a:xfrm>
+      </p:grpSpPr>
+      <p:sp>
+        <p:nvSpPr>
+          <p:cNvPr id="2" name="제목 1"/>
+          <p:cNvSpPr>
+            <a:spLocks noGrp="1"/>
+          </p:cNvSpPr>
+          <p:nvPr>
+            <p:ph type="title"/>
+          </p:nvPr>
+        </p:nvSpPr>
+        <p:spPr/>
+        <p:txBody>
+          <a:bodyPr>
+            <a:noAutofit/>
+          </a:bodyPr>
+          <a:lstStyle/>
+          <a:p>
+            <a:r>
+              <a:rPr lang="en-US" altLang="ko-KR" sz="6600" dirty="0" err="1">
+                <a:solidFill>
+                  <a:schemeClr val="accent1"/>
+                </a:solidFill>
+              </a:rPr>
+              <a:t>BossLocker</a:t>
+            </a:r>
+            <a:endParaRPr lang="ko-KR" altLang="en-US" sz="6600" dirty="0"/>
+          </a:p>
+        </p:txBody>
+      </p:sp>
+      <p:sp>
+        <p:nvSpPr>
+          <p:cNvPr id="3" name="내용 개체 틀 2"/>
+          <p:cNvSpPr>
+            <a:spLocks noGrp="1"/>
+          </p:cNvSpPr>
+          <p:nvPr>
+            <p:ph sz="quarter" idx="1"/>
+          </p:nvPr>
+        </p:nvSpPr>
+        <p:spPr/>
+        <p:txBody>
+          <a:bodyPr>
+            <a:normAutofit/>
+          </a:bodyPr>
+          <a:lstStyle/>
+          <a:p>
+            <a:endParaRPr lang="en-US" altLang="ko-KR" dirty="0"/>
+          </a:p>
+          <a:p>
+            <a:endParaRPr lang="en-US" altLang="ko-KR" dirty="0" smtClean="0"/>
+          </a:p>
+          <a:p>
+            <a:endParaRPr lang="en-US" altLang="ko-KR" dirty="0"/>
+          </a:p>
+          <a:p>
+            <a:endParaRPr lang="en-US" altLang="ko-KR" dirty="0" smtClean="0"/>
+          </a:p>
+          <a:p>
+            <a:endParaRPr lang="en-US" altLang="ko-KR" dirty="0"/>
+          </a:p>
+          <a:p>
+            <a:endParaRPr lang="en-US" altLang="ko-KR" dirty="0" smtClean="0"/>
+          </a:p>
+          <a:p>
+            <a:endParaRPr lang="en-US" altLang="ko-KR" dirty="0"/>
+          </a:p>
+          <a:p>
+            <a:endParaRPr lang="en-US" altLang="ko-KR" dirty="0" smtClean="0"/>
+          </a:p>
+          <a:p>
+            <a:endParaRPr lang="en-US" altLang="ko-KR" dirty="0" smtClean="0"/>
+          </a:p>
+          <a:p>
+            <a:endParaRPr lang="ko-KR" altLang="en-US" dirty="0"/>
+          </a:p>
+        </p:txBody>
+      </p:sp>
+      <p:sp>
+        <p:nvSpPr>
+          <p:cNvPr id="4" name="직사각형 3"/>
+          <p:cNvSpPr/>
+          <p:nvPr/>
+        </p:nvSpPr>
+        <p:spPr>
+          <a:xfrm>
+            <a:off x="611560" y="1340768"/>
+            <a:ext cx="2611612" cy="769441"/>
+          </a:xfrm>
+          <a:prstGeom prst="rect">
+            <a:avLst/>
+          </a:prstGeom>
+        </p:spPr>
+        <p:txBody>
+          <a:bodyPr wrap="none">
+            <a:spAutoFit/>
+          </a:bodyPr>
+          <a:lstStyle/>
+          <a:p>
+            <a:r>
+              <a:rPr lang="ko-KR" altLang="en-US" sz="2600" dirty="0"/>
+              <a:t>배경 </a:t>
+            </a:r>
+            <a:r>
+              <a:rPr lang="ko-KR" altLang="en-US" sz="2600" dirty="0" err="1"/>
+              <a:t>애니매이션</a:t>
+            </a:r>
+            <a:endParaRPr lang="en-US" altLang="ko-KR" sz="2600" dirty="0"/>
+          </a:p>
+          <a:p>
+            <a:endParaRPr lang="ko-KR" altLang="en-US" dirty="0"/>
+          </a:p>
+        </p:txBody>
+      </p:sp>
+      <p:pic>
+        <p:nvPicPr>
+          <p:cNvPr id="5" name="그림 4"/>
+          <p:cNvPicPr>
+            <a:picLocks noChangeAspect="1"/>
+          </p:cNvPicPr>
+          <p:nvPr/>
+        </p:nvPicPr>
+        <p:blipFill>
+          <a:blip r:embed="rId2">
+            <a:extLst>
+              <a:ext uri="{28A0092B-C50C-407E-A947-70E740481C1C}">
+                <a14:useLocalDpi xmlns:a14="http://schemas.microsoft.com/office/drawing/2010/main" val="0"/>
+              </a:ext>
+            </a:extLst>
+          </a:blip>
+          <a:stretch>
+            <a:fillRect/>
+          </a:stretch>
+        </p:blipFill>
+        <p:spPr>
+          <a:xfrm>
+            <a:off x="611560" y="1988840"/>
+            <a:ext cx="7992888" cy="4086520"/>
+          </a:xfrm>
+          <a:prstGeom prst="rect">
+            <a:avLst/>
+          </a:prstGeom>
+        </p:spPr>
+      </p:pic>
+    </p:spTree>
+    <p:extLst>
+      <p:ext uri="{BB962C8B-B14F-4D97-AF65-F5344CB8AC3E}">
+        <p14:creationId xmlns:p14="http://schemas.microsoft.com/office/powerpoint/2010/main" val="3020924109"/>
+      </p:ext>
+    </p:extLst>
+  </p:cSld>
+  <p:clrMapOvr>
+    <a:masterClrMapping/>
+  </p:clrMapOvr>
+</p:sld>
+</file>
+
+<file path=ppt/slides/slide11.xml><?xml version="1.0" encoding="utf-8"?>
+<p:sld xmlns:a="http://schemas.openxmlformats.org/drawingml/2006/main" xmlns:r="http://schemas.openxmlformats.org/officeDocument/2006/relationships" xmlns:p="http://schemas.openxmlformats.org/presentationml/2006/main">
+  <p:cSld>
+    <p:spTree>
+      <p:nvGrpSpPr>
+        <p:cNvPr id="1" name=""/>
+        <p:cNvGrpSpPr/>
+        <p:nvPr/>
+      </p:nvGrpSpPr>
+      <p:grpSpPr>
+        <a:xfrm>
+          <a:off x="0" y="0"/>
+          <a:ext cx="0" cy="0"/>
+          <a:chOff x="0" y="0"/>
+          <a:chExt cx="0" cy="0"/>
+        </a:xfrm>
+      </p:grpSpPr>
+      <p:sp>
+        <p:nvSpPr>
+          <p:cNvPr id="2" name="제목 1"/>
+          <p:cNvSpPr>
+            <a:spLocks noGrp="1"/>
+          </p:cNvSpPr>
+          <p:nvPr>
+            <p:ph type="title"/>
+          </p:nvPr>
+        </p:nvSpPr>
+        <p:spPr/>
+        <p:txBody>
+          <a:bodyPr>
+            <a:noAutofit/>
+          </a:bodyPr>
+          <a:lstStyle/>
+          <a:p>
+            <a:r>
+              <a:rPr lang="en-US" altLang="ko-KR" sz="6600" dirty="0" err="1">
+                <a:solidFill>
+                  <a:schemeClr val="accent1"/>
+                </a:solidFill>
+              </a:rPr>
+              <a:t>BossLocker</a:t>
+            </a:r>
+            <a:endParaRPr lang="ko-KR" altLang="en-US" sz="6600" dirty="0"/>
+          </a:p>
+        </p:txBody>
+      </p:sp>
+      <p:sp>
+        <p:nvSpPr>
+          <p:cNvPr id="3" name="내용 개체 틀 2"/>
+          <p:cNvSpPr>
+            <a:spLocks noGrp="1"/>
+          </p:cNvSpPr>
+          <p:nvPr>
+            <p:ph sz="quarter" idx="1"/>
+          </p:nvPr>
+        </p:nvSpPr>
+        <p:spPr/>
+        <p:txBody>
+          <a:bodyPr>
+            <a:normAutofit/>
+          </a:bodyPr>
+          <a:lstStyle/>
+          <a:p>
+            <a:endParaRPr lang="en-US" altLang="ko-KR" dirty="0"/>
+          </a:p>
+          <a:p>
+            <a:endParaRPr lang="en-US" altLang="ko-KR" dirty="0" smtClean="0"/>
+          </a:p>
+          <a:p>
+            <a:endParaRPr lang="en-US" altLang="ko-KR" dirty="0"/>
+          </a:p>
+          <a:p>
+            <a:endParaRPr lang="en-US" altLang="ko-KR" dirty="0" smtClean="0"/>
+          </a:p>
+          <a:p>
+            <a:endParaRPr lang="en-US" altLang="ko-KR" dirty="0"/>
+          </a:p>
+          <a:p>
+            <a:endParaRPr lang="en-US" altLang="ko-KR" dirty="0" smtClean="0"/>
+          </a:p>
+          <a:p>
+            <a:endParaRPr lang="en-US" altLang="ko-KR" dirty="0"/>
+          </a:p>
+          <a:p>
+            <a:endParaRPr lang="en-US" altLang="ko-KR" dirty="0" smtClean="0"/>
+          </a:p>
+          <a:p>
+            <a:endParaRPr lang="en-US" altLang="ko-KR" dirty="0" smtClean="0"/>
+          </a:p>
+          <a:p>
+            <a:endParaRPr lang="ko-KR" altLang="en-US" dirty="0"/>
+          </a:p>
+        </p:txBody>
+      </p:sp>
+      <p:sp>
+        <p:nvSpPr>
+          <p:cNvPr id="4" name="직사각형 3"/>
+          <p:cNvSpPr/>
+          <p:nvPr/>
+        </p:nvSpPr>
+        <p:spPr>
+          <a:xfrm>
+            <a:off x="611559" y="2525708"/>
+            <a:ext cx="8225329" cy="2769989"/>
+          </a:xfrm>
+          <a:prstGeom prst="rect">
+            <a:avLst/>
+          </a:prstGeom>
+        </p:spPr>
+        <p:txBody>
+          <a:bodyPr wrap="none">
+            <a:spAutoFit/>
+          </a:bodyPr>
+          <a:lstStyle/>
+          <a:p>
+            <a:endParaRPr lang="en-US" altLang="ko-KR" sz="2600" dirty="0" smtClean="0"/>
+          </a:p>
+          <a:p>
+            <a:r>
+              <a:rPr lang="ko-KR" altLang="en-US" sz="2600" dirty="0" smtClean="0"/>
+              <a:t>배경 </a:t>
+            </a:r>
+            <a:r>
+              <a:rPr lang="ko-KR" altLang="en-US" sz="2600" dirty="0" err="1" smtClean="0"/>
+              <a:t>애니매이션</a:t>
+            </a:r>
+            <a:endParaRPr lang="en-US" altLang="ko-KR" sz="2600" dirty="0" smtClean="0"/>
+          </a:p>
+          <a:p>
+            <a:r>
+              <a:rPr lang="ko-KR" altLang="en-US" sz="2600" dirty="0" smtClean="0"/>
+              <a:t>위 사진처럼 밝은 배경과 어두운 배경처럼 만들고 </a:t>
+            </a:r>
+            <a:endParaRPr lang="en-US" altLang="ko-KR" sz="2600" dirty="0" smtClean="0"/>
+          </a:p>
+          <a:p>
+            <a:r>
+              <a:rPr lang="ko-KR" altLang="en-US" sz="2600" dirty="0" err="1" smtClean="0"/>
+              <a:t>여러맵을</a:t>
+            </a:r>
+            <a:r>
+              <a:rPr lang="ko-KR" altLang="en-US" sz="2600" dirty="0" smtClean="0"/>
+              <a:t> 나열해놓고 고르는 형식으로 </a:t>
+            </a:r>
+            <a:r>
+              <a:rPr lang="ko-KR" altLang="en-US" sz="2600" dirty="0" err="1" smtClean="0"/>
+              <a:t>만들것이다</a:t>
+            </a:r>
+            <a:r>
+              <a:rPr lang="en-US" altLang="ko-KR" sz="2600" dirty="0" smtClean="0"/>
+              <a:t>. </a:t>
+            </a:r>
+          </a:p>
+          <a:p>
+            <a:r>
+              <a:rPr lang="ko-KR" altLang="en-US" sz="2600" dirty="0" err="1" smtClean="0"/>
+              <a:t>몬스터들이</a:t>
+            </a:r>
+            <a:r>
+              <a:rPr lang="ko-KR" altLang="en-US" sz="2600" dirty="0" smtClean="0"/>
+              <a:t> </a:t>
+            </a:r>
+            <a:r>
+              <a:rPr lang="ko-KR" altLang="en-US" sz="2600" dirty="0" err="1" smtClean="0"/>
+              <a:t>싸울때</a:t>
+            </a:r>
+            <a:r>
+              <a:rPr lang="ko-KR" altLang="en-US" sz="2600" dirty="0" smtClean="0"/>
+              <a:t> </a:t>
+            </a:r>
+            <a:r>
+              <a:rPr lang="ko-KR" altLang="en-US" sz="2600" dirty="0" err="1" smtClean="0"/>
+              <a:t>방해가될거같기</a:t>
+            </a:r>
+            <a:r>
+              <a:rPr lang="ko-KR" altLang="en-US" sz="2600" dirty="0" smtClean="0"/>
+              <a:t> 때문에 </a:t>
+            </a:r>
+            <a:r>
+              <a:rPr lang="ko-KR" altLang="en-US" sz="2600" dirty="0" err="1" smtClean="0"/>
+              <a:t>주위에있는</a:t>
+            </a:r>
+            <a:endParaRPr lang="en-US" altLang="ko-KR" sz="2600" dirty="0" smtClean="0"/>
+          </a:p>
+          <a:p>
+            <a:r>
+              <a:rPr lang="ko-KR" altLang="en-US" sz="2600" dirty="0" smtClean="0"/>
+              <a:t> </a:t>
+            </a:r>
+            <a:r>
+              <a:rPr lang="ko-KR" altLang="en-US" sz="2600" dirty="0"/>
+              <a:t>배경에서 건물은 몇 개 </a:t>
+            </a:r>
+            <a:r>
+              <a:rPr lang="ko-KR" altLang="en-US" sz="2600" dirty="0" err="1"/>
+              <a:t>못만들거</a:t>
+            </a:r>
+            <a:r>
+              <a:rPr lang="ko-KR" altLang="en-US" sz="2600" dirty="0"/>
+              <a:t> 같다</a:t>
+            </a:r>
+            <a:r>
+              <a:rPr lang="en-US" altLang="ko-KR" sz="2600" dirty="0"/>
+              <a:t>. </a:t>
+            </a:r>
+          </a:p>
+          <a:p>
+            <a:endParaRPr lang="ko-KR" altLang="en-US" dirty="0"/>
+          </a:p>
+        </p:txBody>
+      </p:sp>
+    </p:spTree>
+    <p:extLst>
+      <p:ext uri="{BB962C8B-B14F-4D97-AF65-F5344CB8AC3E}">
+        <p14:creationId xmlns:p14="http://schemas.microsoft.com/office/powerpoint/2010/main" val="3020924109"/>
+      </p:ext>
+    </p:extLst>
+  </p:cSld>
+  <p:clrMapOvr>
+    <a:masterClrMapping/>
+  </p:clrMapOvr>
+</p:sld>
+</file>
+
 <file path=ppt/slides/slide2.xml><?xml version="1.0" encoding="utf-8"?>
 <p:sld xmlns:a="http://schemas.openxmlformats.org/drawingml/2006/main" xmlns:r="http://schemas.openxmlformats.org/officeDocument/2006/relationships" xmlns:p="http://schemas.openxmlformats.org/presentationml/2006/main">
   <p:cSld>
@@ -4666,6 +5068,62 @@
               <a:rPr lang="ko-KR" altLang="en-US" dirty="0" err="1" smtClean="0"/>
               <a:t>애니매이션</a:t>
             </a:r>
+            <a:endParaRPr lang="en-US" altLang="ko-KR" dirty="0" smtClean="0"/>
+          </a:p>
+          <a:p>
+            <a:r>
+              <a:rPr lang="ko-KR" altLang="en-US" dirty="0" smtClean="0"/>
+              <a:t>배경은 여러 개 만들고 </a:t>
+            </a:r>
+            <a:r>
+              <a:rPr lang="ko-KR" altLang="en-US" dirty="0" err="1" smtClean="0"/>
+              <a:t>맵</a:t>
+            </a:r>
+            <a:endParaRPr lang="en-US" altLang="ko-KR" dirty="0" smtClean="0"/>
+          </a:p>
+          <a:p>
+            <a:r>
+              <a:rPr lang="ko-KR" altLang="en-US" dirty="0" smtClean="0"/>
+              <a:t>에 각각 다르게 </a:t>
+            </a:r>
+            <a:r>
+              <a:rPr lang="ko-KR" altLang="en-US" dirty="0" err="1" smtClean="0"/>
+              <a:t>설정을해서</a:t>
+            </a:r>
+            <a:endParaRPr lang="en-US" altLang="ko-KR" dirty="0"/>
+          </a:p>
+          <a:p>
+            <a:r>
+              <a:rPr lang="ko-KR" altLang="en-US" dirty="0" smtClean="0"/>
+              <a:t>실행을 해놓을 예정이다</a:t>
+            </a:r>
+            <a:endParaRPr lang="en-US" altLang="ko-KR" dirty="0" smtClean="0"/>
+          </a:p>
+          <a:p>
+            <a:r>
+              <a:rPr lang="ko-KR" altLang="en-US" dirty="0" err="1" smtClean="0"/>
+              <a:t>어두운맵</a:t>
+            </a:r>
+            <a:r>
+              <a:rPr lang="en-US" altLang="ko-KR" dirty="0" smtClean="0"/>
+              <a:t>,  </a:t>
+            </a:r>
+            <a:r>
+              <a:rPr lang="ko-KR" altLang="en-US" dirty="0" smtClean="0"/>
+              <a:t>밝은 </a:t>
+            </a:r>
+            <a:r>
+              <a:rPr lang="ko-KR" altLang="en-US" dirty="0" err="1" smtClean="0"/>
+              <a:t>맵</a:t>
+            </a:r>
+            <a:r>
+              <a:rPr lang="ko-KR" altLang="en-US" dirty="0" smtClean="0"/>
+              <a:t> </a:t>
+            </a:r>
+            <a:r>
+              <a:rPr lang="ko-KR" altLang="en-US" dirty="0" err="1" smtClean="0"/>
+              <a:t>여러개</a:t>
+            </a:r>
             <a:endParaRPr lang="ko-KR" altLang="en-US" dirty="0"/>
           </a:p>
         </p:txBody>
@@ -4692,7 +5150,7 @@
         </p:blipFill>
         <p:spPr>
           <a:xfrm>
-            <a:off x="611560" y="1764792"/>
+            <a:off x="4788024" y="1777368"/>
             <a:ext cx="3816424" cy="4400512"/>
           </a:xfrm>
           <a:prstGeom prst="rect">
@@ -4704,6 +5162,525 @@
     <p:extLst>
       <p:ext uri="{BB962C8B-B14F-4D97-AF65-F5344CB8AC3E}">
         <p14:creationId xmlns:p14="http://schemas.microsoft.com/office/powerpoint/2010/main" val="2805085384"/>
+      </p:ext>
+    </p:extLst>
+  </p:cSld>
+  <p:clrMapOvr>
+    <a:masterClrMapping/>
+  </p:clrMapOvr>
+</p:sld>
+</file>
+
+<file path=ppt/slides/slide7.xml><?xml version="1.0" encoding="utf-8"?>
+<p:sld xmlns:a="http://schemas.openxmlformats.org/drawingml/2006/main" xmlns:r="http://schemas.openxmlformats.org/officeDocument/2006/relationships" xmlns:p="http://schemas.openxmlformats.org/presentationml/2006/main">
+  <p:cSld>
+    <p:spTree>
+      <p:nvGrpSpPr>
+        <p:cNvPr id="1" name=""/>
+        <p:cNvGrpSpPr/>
+        <p:nvPr/>
+      </p:nvGrpSpPr>
+      <p:grpSpPr>
+        <a:xfrm>
+          <a:off x="0" y="0"/>
+          <a:ext cx="0" cy="0"/>
+          <a:chOff x="0" y="0"/>
+          <a:chExt cx="0" cy="0"/>
+        </a:xfrm>
+      </p:grpSpPr>
+      <p:sp>
+        <p:nvSpPr>
+          <p:cNvPr id="2" name="제목 1"/>
+          <p:cNvSpPr>
+            <a:spLocks noGrp="1"/>
+          </p:cNvSpPr>
+          <p:nvPr>
+            <p:ph type="title"/>
+          </p:nvPr>
+        </p:nvSpPr>
+        <p:spPr/>
+        <p:txBody>
+          <a:bodyPr>
+            <a:noAutofit/>
+          </a:bodyPr>
+          <a:lstStyle/>
+          <a:p>
+            <a:r>
+              <a:rPr lang="en-US" altLang="ko-KR" sz="6600" dirty="0" err="1">
+                <a:solidFill>
+                  <a:schemeClr val="accent1"/>
+                </a:solidFill>
+              </a:rPr>
+              <a:t>BossLocker</a:t>
+            </a:r>
+            <a:endParaRPr lang="ko-KR" altLang="en-US" sz="6600" dirty="0"/>
+          </a:p>
+        </p:txBody>
+      </p:sp>
+      <p:sp>
+        <p:nvSpPr>
+          <p:cNvPr id="3" name="내용 개체 틀 2"/>
+          <p:cNvSpPr>
+            <a:spLocks noGrp="1"/>
+          </p:cNvSpPr>
+          <p:nvPr>
+            <p:ph sz="quarter" idx="1"/>
+          </p:nvPr>
+        </p:nvSpPr>
+        <p:spPr/>
+        <p:txBody>
+          <a:bodyPr>
+            <a:normAutofit/>
+          </a:bodyPr>
+          <a:lstStyle/>
+          <a:p>
+            <a:endParaRPr lang="en-US" altLang="ko-KR" dirty="0"/>
+          </a:p>
+          <a:p>
+            <a:endParaRPr lang="en-US" altLang="ko-KR" dirty="0" smtClean="0"/>
+          </a:p>
+          <a:p>
+            <a:endParaRPr lang="en-US" altLang="ko-KR" dirty="0"/>
+          </a:p>
+          <a:p>
+            <a:endParaRPr lang="en-US" altLang="ko-KR" dirty="0" smtClean="0"/>
+          </a:p>
+          <a:p>
+            <a:endParaRPr lang="en-US" altLang="ko-KR" dirty="0"/>
+          </a:p>
+          <a:p>
+            <a:endParaRPr lang="en-US" altLang="ko-KR" dirty="0" smtClean="0"/>
+          </a:p>
+          <a:p>
+            <a:endParaRPr lang="en-US" altLang="ko-KR" dirty="0"/>
+          </a:p>
+          <a:p>
+            <a:endParaRPr lang="en-US" altLang="ko-KR" dirty="0" smtClean="0"/>
+          </a:p>
+          <a:p>
+            <a:endParaRPr lang="en-US" altLang="ko-KR" dirty="0" smtClean="0"/>
+          </a:p>
+          <a:p>
+            <a:endParaRPr lang="ko-KR" altLang="en-US" dirty="0"/>
+          </a:p>
+        </p:txBody>
+      </p:sp>
+      <p:sp>
+        <p:nvSpPr>
+          <p:cNvPr id="4" name="직사각형 3"/>
+          <p:cNvSpPr/>
+          <p:nvPr/>
+        </p:nvSpPr>
+        <p:spPr>
+          <a:xfrm>
+            <a:off x="611560" y="1340768"/>
+            <a:ext cx="2611612" cy="769441"/>
+          </a:xfrm>
+          <a:prstGeom prst="rect">
+            <a:avLst/>
+          </a:prstGeom>
+        </p:spPr>
+        <p:txBody>
+          <a:bodyPr wrap="none">
+            <a:spAutoFit/>
+          </a:bodyPr>
+          <a:lstStyle/>
+          <a:p>
+            <a:r>
+              <a:rPr lang="ko-KR" altLang="en-US" sz="2600" dirty="0"/>
+              <a:t>배경 </a:t>
+            </a:r>
+            <a:r>
+              <a:rPr lang="ko-KR" altLang="en-US" sz="2600" dirty="0" err="1"/>
+              <a:t>애니매이션</a:t>
+            </a:r>
+            <a:endParaRPr lang="en-US" altLang="ko-KR" sz="2600" dirty="0"/>
+          </a:p>
+          <a:p>
+            <a:endParaRPr lang="ko-KR" altLang="en-US" dirty="0"/>
+          </a:p>
+        </p:txBody>
+      </p:sp>
+      <p:pic>
+        <p:nvPicPr>
+          <p:cNvPr id="6" name="그림 5"/>
+          <p:cNvPicPr>
+            <a:picLocks noChangeAspect="1"/>
+          </p:cNvPicPr>
+          <p:nvPr/>
+        </p:nvPicPr>
+        <p:blipFill>
+          <a:blip r:embed="rId2">
+            <a:extLst>
+              <a:ext uri="{28A0092B-C50C-407E-A947-70E740481C1C}">
+                <a14:useLocalDpi xmlns:a14="http://schemas.microsoft.com/office/drawing/2010/main" val="0"/>
+              </a:ext>
+            </a:extLst>
+          </a:blip>
+          <a:stretch>
+            <a:fillRect/>
+          </a:stretch>
+        </p:blipFill>
+        <p:spPr>
+          <a:xfrm>
+            <a:off x="611560" y="1856174"/>
+            <a:ext cx="7825218" cy="4237121"/>
+          </a:xfrm>
+          <a:prstGeom prst="rect">
+            <a:avLst/>
+          </a:prstGeom>
+        </p:spPr>
+      </p:pic>
+    </p:spTree>
+    <p:extLst>
+      <p:ext uri="{BB962C8B-B14F-4D97-AF65-F5344CB8AC3E}">
+        <p14:creationId xmlns:p14="http://schemas.microsoft.com/office/powerpoint/2010/main" val="2020077479"/>
+      </p:ext>
+    </p:extLst>
+  </p:cSld>
+  <p:clrMapOvr>
+    <a:masterClrMapping/>
+  </p:clrMapOvr>
+</p:sld>
+</file>
+
+<file path=ppt/slides/slide8.xml><?xml version="1.0" encoding="utf-8"?>
+<p:sld xmlns:a="http://schemas.openxmlformats.org/drawingml/2006/main" xmlns:r="http://schemas.openxmlformats.org/officeDocument/2006/relationships" xmlns:p="http://schemas.openxmlformats.org/presentationml/2006/main">
+  <p:cSld>
+    <p:spTree>
+      <p:nvGrpSpPr>
+        <p:cNvPr id="1" name=""/>
+        <p:cNvGrpSpPr/>
+        <p:nvPr/>
+      </p:nvGrpSpPr>
+      <p:grpSpPr>
+        <a:xfrm>
+          <a:off x="0" y="0"/>
+          <a:ext cx="0" cy="0"/>
+          <a:chOff x="0" y="0"/>
+          <a:chExt cx="0" cy="0"/>
+        </a:xfrm>
+      </p:grpSpPr>
+      <p:sp>
+        <p:nvSpPr>
+          <p:cNvPr id="2" name="제목 1"/>
+          <p:cNvSpPr>
+            <a:spLocks noGrp="1"/>
+          </p:cNvSpPr>
+          <p:nvPr>
+            <p:ph type="title"/>
+          </p:nvPr>
+        </p:nvSpPr>
+        <p:spPr/>
+        <p:txBody>
+          <a:bodyPr>
+            <a:noAutofit/>
+          </a:bodyPr>
+          <a:lstStyle/>
+          <a:p>
+            <a:r>
+              <a:rPr lang="en-US" altLang="ko-KR" sz="6600" dirty="0" err="1">
+                <a:solidFill>
+                  <a:schemeClr val="accent1"/>
+                </a:solidFill>
+              </a:rPr>
+              <a:t>BossLocker</a:t>
+            </a:r>
+            <a:endParaRPr lang="ko-KR" altLang="en-US" sz="6600" dirty="0"/>
+          </a:p>
+        </p:txBody>
+      </p:sp>
+      <p:sp>
+        <p:nvSpPr>
+          <p:cNvPr id="3" name="내용 개체 틀 2"/>
+          <p:cNvSpPr>
+            <a:spLocks noGrp="1"/>
+          </p:cNvSpPr>
+          <p:nvPr>
+            <p:ph sz="quarter" idx="1"/>
+          </p:nvPr>
+        </p:nvSpPr>
+        <p:spPr/>
+        <p:txBody>
+          <a:bodyPr>
+            <a:normAutofit/>
+          </a:bodyPr>
+          <a:lstStyle/>
+          <a:p>
+            <a:endParaRPr lang="en-US" altLang="ko-KR" dirty="0"/>
+          </a:p>
+          <a:p>
+            <a:endParaRPr lang="en-US" altLang="ko-KR" dirty="0" smtClean="0"/>
+          </a:p>
+          <a:p>
+            <a:endParaRPr lang="en-US" altLang="ko-KR" dirty="0"/>
+          </a:p>
+          <a:p>
+            <a:endParaRPr lang="en-US" altLang="ko-KR" dirty="0" smtClean="0"/>
+          </a:p>
+          <a:p>
+            <a:endParaRPr lang="en-US" altLang="ko-KR" dirty="0"/>
+          </a:p>
+          <a:p>
+            <a:endParaRPr lang="en-US" altLang="ko-KR" dirty="0" smtClean="0"/>
+          </a:p>
+          <a:p>
+            <a:endParaRPr lang="en-US" altLang="ko-KR" dirty="0"/>
+          </a:p>
+          <a:p>
+            <a:endParaRPr lang="en-US" altLang="ko-KR" dirty="0" smtClean="0"/>
+          </a:p>
+          <a:p>
+            <a:endParaRPr lang="en-US" altLang="ko-KR" dirty="0" smtClean="0"/>
+          </a:p>
+          <a:p>
+            <a:endParaRPr lang="ko-KR" altLang="en-US" dirty="0"/>
+          </a:p>
+        </p:txBody>
+      </p:sp>
+      <p:sp>
+        <p:nvSpPr>
+          <p:cNvPr id="4" name="직사각형 3"/>
+          <p:cNvSpPr/>
+          <p:nvPr/>
+        </p:nvSpPr>
+        <p:spPr>
+          <a:xfrm>
+            <a:off x="611560" y="1340768"/>
+            <a:ext cx="2611612" cy="769441"/>
+          </a:xfrm>
+          <a:prstGeom prst="rect">
+            <a:avLst/>
+          </a:prstGeom>
+        </p:spPr>
+        <p:txBody>
+          <a:bodyPr wrap="none">
+            <a:spAutoFit/>
+          </a:bodyPr>
+          <a:lstStyle/>
+          <a:p>
+            <a:r>
+              <a:rPr lang="ko-KR" altLang="en-US" sz="2600" dirty="0"/>
+              <a:t>배경 </a:t>
+            </a:r>
+            <a:r>
+              <a:rPr lang="ko-KR" altLang="en-US" sz="2600" dirty="0" err="1"/>
+              <a:t>애니매이션</a:t>
+            </a:r>
+            <a:endParaRPr lang="en-US" altLang="ko-KR" sz="2600" dirty="0"/>
+          </a:p>
+          <a:p>
+            <a:endParaRPr lang="ko-KR" altLang="en-US" dirty="0"/>
+          </a:p>
+        </p:txBody>
+      </p:sp>
+      <p:pic>
+        <p:nvPicPr>
+          <p:cNvPr id="5" name="그림 4"/>
+          <p:cNvPicPr>
+            <a:picLocks noChangeAspect="1"/>
+          </p:cNvPicPr>
+          <p:nvPr/>
+        </p:nvPicPr>
+        <p:blipFill>
+          <a:blip r:embed="rId2">
+            <a:extLst>
+              <a:ext uri="{28A0092B-C50C-407E-A947-70E740481C1C}">
+                <a14:useLocalDpi xmlns:a14="http://schemas.microsoft.com/office/drawing/2010/main" val="0"/>
+              </a:ext>
+            </a:extLst>
+          </a:blip>
+          <a:stretch>
+            <a:fillRect/>
+          </a:stretch>
+        </p:blipFill>
+        <p:spPr>
+          <a:xfrm>
+            <a:off x="835326" y="1916831"/>
+            <a:ext cx="7841130" cy="4393241"/>
+          </a:xfrm>
+          <a:prstGeom prst="rect">
+            <a:avLst/>
+          </a:prstGeom>
+        </p:spPr>
+      </p:pic>
+    </p:spTree>
+    <p:extLst>
+      <p:ext uri="{BB962C8B-B14F-4D97-AF65-F5344CB8AC3E}">
+        <p14:creationId xmlns:p14="http://schemas.microsoft.com/office/powerpoint/2010/main" val="1276215973"/>
+      </p:ext>
+    </p:extLst>
+  </p:cSld>
+  <p:clrMapOvr>
+    <a:masterClrMapping/>
+  </p:clrMapOvr>
+</p:sld>
+</file>
+
+<file path=ppt/slides/slide9.xml><?xml version="1.0" encoding="utf-8"?>
+<p:sld xmlns:a="http://schemas.openxmlformats.org/drawingml/2006/main" xmlns:r="http://schemas.openxmlformats.org/officeDocument/2006/relationships" xmlns:p="http://schemas.openxmlformats.org/presentationml/2006/main">
+  <p:cSld>
+    <p:spTree>
+      <p:nvGrpSpPr>
+        <p:cNvPr id="1" name=""/>
+        <p:cNvGrpSpPr/>
+        <p:nvPr/>
+      </p:nvGrpSpPr>
+      <p:grpSpPr>
+        <a:xfrm>
+          <a:off x="0" y="0"/>
+          <a:ext cx="0" cy="0"/>
+          <a:chOff x="0" y="0"/>
+          <a:chExt cx="0" cy="0"/>
+        </a:xfrm>
+      </p:grpSpPr>
+      <p:sp>
+        <p:nvSpPr>
+          <p:cNvPr id="2" name="제목 1"/>
+          <p:cNvSpPr>
+            <a:spLocks noGrp="1"/>
+          </p:cNvSpPr>
+          <p:nvPr>
+            <p:ph type="title"/>
+          </p:nvPr>
+        </p:nvSpPr>
+        <p:spPr/>
+        <p:txBody>
+          <a:bodyPr>
+            <a:noAutofit/>
+          </a:bodyPr>
+          <a:lstStyle/>
+          <a:p>
+            <a:r>
+              <a:rPr lang="en-US" altLang="ko-KR" sz="6600" dirty="0" err="1">
+                <a:solidFill>
+                  <a:schemeClr val="accent1"/>
+                </a:solidFill>
+              </a:rPr>
+              <a:t>BossLocker</a:t>
+            </a:r>
+            <a:endParaRPr lang="ko-KR" altLang="en-US" sz="6600" dirty="0"/>
+          </a:p>
+        </p:txBody>
+      </p:sp>
+      <p:sp>
+        <p:nvSpPr>
+          <p:cNvPr id="3" name="내용 개체 틀 2"/>
+          <p:cNvSpPr>
+            <a:spLocks noGrp="1"/>
+          </p:cNvSpPr>
+          <p:nvPr>
+            <p:ph sz="quarter" idx="1"/>
+          </p:nvPr>
+        </p:nvSpPr>
+        <p:spPr/>
+        <p:txBody>
+          <a:bodyPr>
+            <a:normAutofit/>
+          </a:bodyPr>
+          <a:lstStyle/>
+          <a:p>
+            <a:endParaRPr lang="en-US" altLang="ko-KR" dirty="0"/>
+          </a:p>
+          <a:p>
+            <a:endParaRPr lang="en-US" altLang="ko-KR" dirty="0" smtClean="0"/>
+          </a:p>
+          <a:p>
+            <a:endParaRPr lang="en-US" altLang="ko-KR" dirty="0"/>
+          </a:p>
+          <a:p>
+            <a:endParaRPr lang="en-US" altLang="ko-KR" dirty="0" smtClean="0"/>
+          </a:p>
+          <a:p>
+            <a:endParaRPr lang="en-US" altLang="ko-KR" dirty="0"/>
+          </a:p>
+          <a:p>
+            <a:endParaRPr lang="en-US" altLang="ko-KR" dirty="0" smtClean="0"/>
+          </a:p>
+          <a:p>
+            <a:endParaRPr lang="en-US" altLang="ko-KR" dirty="0"/>
+          </a:p>
+          <a:p>
+            <a:endParaRPr lang="en-US" altLang="ko-KR" dirty="0" smtClean="0"/>
+          </a:p>
+          <a:p>
+            <a:endParaRPr lang="en-US" altLang="ko-KR" dirty="0" smtClean="0"/>
+          </a:p>
+          <a:p>
+            <a:endParaRPr lang="ko-KR" altLang="en-US" dirty="0"/>
+          </a:p>
+        </p:txBody>
+      </p:sp>
+      <p:sp>
+        <p:nvSpPr>
+          <p:cNvPr id="4" name="직사각형 3"/>
+          <p:cNvSpPr/>
+          <p:nvPr/>
+        </p:nvSpPr>
+        <p:spPr>
+          <a:xfrm>
+            <a:off x="611560" y="1340768"/>
+            <a:ext cx="2611612" cy="769441"/>
+          </a:xfrm>
+          <a:prstGeom prst="rect">
+            <a:avLst/>
+          </a:prstGeom>
+        </p:spPr>
+        <p:txBody>
+          <a:bodyPr wrap="none">
+            <a:spAutoFit/>
+          </a:bodyPr>
+          <a:lstStyle/>
+          <a:p>
+            <a:r>
+              <a:rPr lang="ko-KR" altLang="en-US" sz="2600" dirty="0"/>
+              <a:t>배경 </a:t>
+            </a:r>
+            <a:r>
+              <a:rPr lang="ko-KR" altLang="en-US" sz="2600" dirty="0" err="1"/>
+              <a:t>애니매이션</a:t>
+            </a:r>
+            <a:endParaRPr lang="en-US" altLang="ko-KR" sz="2600" dirty="0"/>
+          </a:p>
+          <a:p>
+            <a:endParaRPr lang="ko-KR" altLang="en-US" dirty="0"/>
+          </a:p>
+        </p:txBody>
+      </p:sp>
+      <p:pic>
+        <p:nvPicPr>
+          <p:cNvPr id="5" name="그림 4"/>
+          <p:cNvPicPr>
+            <a:picLocks noChangeAspect="1"/>
+          </p:cNvPicPr>
+          <p:nvPr/>
+        </p:nvPicPr>
+        <p:blipFill>
+          <a:blip r:embed="rId2">
+            <a:extLst>
+              <a:ext uri="{28A0092B-C50C-407E-A947-70E740481C1C}">
+                <a14:useLocalDpi xmlns:a14="http://schemas.microsoft.com/office/drawing/2010/main" val="0"/>
+              </a:ext>
+            </a:extLst>
+          </a:blip>
+          <a:stretch>
+            <a:fillRect/>
+          </a:stretch>
+        </p:blipFill>
+        <p:spPr>
+          <a:xfrm>
+            <a:off x="611560" y="1988840"/>
+            <a:ext cx="7992888" cy="4305306"/>
+          </a:xfrm>
+          <a:prstGeom prst="rect">
+            <a:avLst/>
+          </a:prstGeom>
+        </p:spPr>
+      </p:pic>
+    </p:spTree>
+    <p:extLst>
+      <p:ext uri="{BB962C8B-B14F-4D97-AF65-F5344CB8AC3E}">
+        <p14:creationId xmlns:p14="http://schemas.microsoft.com/office/powerpoint/2010/main" val="3020924109"/>
       </p:ext>
     </p:extLst>
   </p:cSld>
